--- a/YarnSpinnerDemo/Assets/00-SLIDES-REFERENCE/NARRATIVES WITH YARN.pptx
+++ b/YarnSpinnerDemo/Assets/00-SLIDES-REFERENCE/NARRATIVES WITH YARN.pptx
@@ -8956,7 +8956,7 @@
             </a:pPr>
             <a:r>
               <a:rPr lang="en"/>
-              <a:t>Create a new C++ Script</a:t>
+              <a:t>Create a new C# Script</a:t>
             </a:r>
             <a:endParaRPr/>
           </a:p>
@@ -12416,12 +12416,37 @@
               <a:buNone/>
             </a:pPr>
             <a:r>
-              <a:t/>
+              <a:rPr lang="en"/>
+              <a:t>Overrides the: </a:t>
+            </a:r>
+            <a:r>
+              <a:rPr lang="en">
+                <a:solidFill>
+                  <a:srgbClr val="F3F3F3"/>
+                </a:solidFill>
+              </a:rPr>
+              <a:t>RunLine, RunOptions, RunCommand, DialogueStarted,</a:t>
+            </a:r>
+            <a:r>
+              <a:rPr lang="en"/>
+              <a:t> and </a:t>
+            </a:r>
+            <a:r>
+              <a:rPr lang="en">
+                <a:solidFill>
+                  <a:srgbClr val="F3F3F3"/>
+                </a:solidFill>
+              </a:rPr>
+              <a:t>DialogueComplete</a:t>
+            </a:r>
+            <a:r>
+              <a:rPr lang="en"/>
+              <a:t> coroutines</a:t>
             </a:r>
             <a:endParaRPr/>
           </a:p>
           <a:p>
-            <a:pPr indent="0" lvl="0" marL="0" rtl="0" algn="l">
+            <a:pPr indent="-342900" lvl="0" marL="457200" rtl="0" algn="l">
               <a:lnSpc>
                 <a:spcPct val="150000"/>
               </a:lnSpc>
@@ -12431,35 +12456,12 @@
               <a:spcAft>
                 <a:spcPts val="0"/>
               </a:spcAft>
-              <a:buNone/>
+              <a:buSzPts val="1800"/>
+              <a:buChar char="-"/>
             </a:pPr>
             <a:r>
               <a:rPr lang="en"/>
-              <a:t>Needs: </a:t>
-            </a:r>
-            <a:r>
-              <a:rPr lang="en">
-                <a:solidFill>
-                  <a:srgbClr val="F3F3F3"/>
-                </a:solidFill>
-              </a:rPr>
-              <a:t>RunLine, RunOptions, RunCommand</a:t>
-            </a:r>
-            <a:r>
-              <a:rPr lang="en"/>
-              <a:t> and </a:t>
-            </a:r>
-            <a:r>
-              <a:rPr lang="en">
-                <a:solidFill>
-                  <a:srgbClr val="F3F3F3"/>
-                </a:solidFill>
-              </a:rPr>
-              <a:t>DialogueComplete</a:t>
-            </a:r>
-            <a:r>
-              <a:rPr lang="en"/>
-              <a:t> coroutines</a:t>
+              <a:t>All exist in Yarn.Unity.DialogueUIBehaviour </a:t>
             </a:r>
             <a:endParaRPr/>
           </a:p>
@@ -12747,7 +12749,7 @@
             </a:r>
             <a:r>
               <a:rPr lang="en"/>
-              <a:t> arbitrary c++ variables - one way street</a:t>
+              <a:t> arbitrary c# variables - one way street</a:t>
             </a:r>
             <a:endParaRPr/>
           </a:p>
@@ -12764,38 +12766,6 @@
             <a:r>
               <a:rPr lang="en"/>
               <a:t>For our purposes today, we don’t need to go into it, but you can go in and customise!</a:t>
-            </a:r>
-            <a:endParaRPr/>
-          </a:p>
-          <a:p>
-            <a:pPr indent="0" lvl="0" marL="0" rtl="0" algn="l">
-              <a:spcBef>
-                <a:spcPts val="1600"/>
-              </a:spcBef>
-              <a:spcAft>
-                <a:spcPts val="0"/>
-              </a:spcAft>
-              <a:buNone/>
-            </a:pPr>
-            <a:r>
-              <a:rPr lang="en"/>
-              <a:t>It is a </a:t>
-            </a:r>
-            <a:r>
-              <a:rPr b="1" lang="en"/>
-              <a:t>singleton </a:t>
-            </a:r>
-            <a:r>
-              <a:rPr lang="en"/>
-              <a:t>- look into this if you are using </a:t>
-            </a:r>
-            <a:r>
-              <a:rPr lang="en"/>
-              <a:t>multiple</a:t>
-            </a:r>
-            <a:r>
-              <a:rPr lang="en"/>
-              <a:t> scenes!</a:t>
             </a:r>
             <a:endParaRPr/>
           </a:p>
